--- a/Fluid simulation sandbox.pptx
+++ b/Fluid simulation sandbox.pptx
@@ -7,6 +7,10 @@
   <p:sldIdLst>
     <p:sldId id="256" r:id="rId2"/>
     <p:sldId id="257" r:id="rId3"/>
+    <p:sldId id="262" r:id="rId4"/>
+    <p:sldId id="261" r:id="rId5"/>
+    <p:sldId id="263" r:id="rId6"/>
+    <p:sldId id="260" r:id="rId7"/>
   </p:sldIdLst>
   <p:sldSz cx="12192000" cy="6858000"/>
   <p:notesSz cx="6858000" cy="9144000"/>
@@ -5836,7 +5840,7 @@
         <p:spPr>
           <a:xfrm>
             <a:off x="6795084" y="604007"/>
-            <a:ext cx="4998810" cy="5744620"/>
+            <a:ext cx="4765345" cy="5744620"/>
           </a:xfrm>
         </p:spPr>
         <p:txBody>
@@ -5853,7 +5857,7 @@
             </a:r>
             <a:r>
               <a:rPr lang="nl-NL" dirty="0"/>
-              <a:t> on “</a:t>
+              <a:t> on </a:t>
             </a:r>
             <a:r>
               <a:rPr lang="nl-NL" dirty="0" err="1"/>
@@ -5869,7 +5873,7 @@
             </a:r>
             <a:r>
               <a:rPr lang="nl-NL" dirty="0"/>
-              <a:t>” </a:t>
+              <a:t> </a:t>
             </a:r>
             <a:r>
               <a:rPr lang="nl-NL" dirty="0" err="1"/>
@@ -5904,6 +5908,127 @@
             <a:r>
               <a:rPr lang="nl-NL" dirty="0"/>
               <a:t> approach</a:t>
+            </a:r>
+          </a:p>
+          <a:p>
+            <a:pPr marL="342900" indent="-342900">
+              <a:buFont typeface="Arial" panose="020B0604020202020204" pitchFamily="34" charset="0"/>
+              <a:buChar char="•"/>
+            </a:pPr>
+            <a:r>
+              <a:rPr lang="nl-NL" dirty="0"/>
+              <a:t>We </a:t>
+            </a:r>
+            <a:r>
+              <a:rPr lang="nl-NL" dirty="0" err="1"/>
+              <a:t>simulate</a:t>
+            </a:r>
+            <a:r>
+              <a:rPr lang="nl-NL" dirty="0"/>
+              <a:t>:</a:t>
+            </a:r>
+          </a:p>
+          <a:p>
+            <a:pPr marL="914400" lvl="1" indent="-457200" algn="l">
+              <a:buFont typeface="Arial" panose="020B0604020202020204" pitchFamily="34" charset="0"/>
+              <a:buChar char="•"/>
+            </a:pPr>
+            <a:r>
+              <a:rPr lang="nl-NL" sz="1800" dirty="0" err="1"/>
+              <a:t>Density</a:t>
+            </a:r>
+            <a:endParaRPr lang="nl-NL" sz="1800" dirty="0"/>
+          </a:p>
+          <a:p>
+            <a:pPr marL="914400" lvl="1" indent="-457200" algn="l">
+              <a:buFont typeface="Arial" panose="020B0604020202020204" pitchFamily="34" charset="0"/>
+              <a:buChar char="•"/>
+            </a:pPr>
+            <a:r>
+              <a:rPr lang="nl-NL" sz="1800" dirty="0" err="1"/>
+              <a:t>Temperature</a:t>
+            </a:r>
+            <a:endParaRPr lang="nl-NL" sz="1800" dirty="0"/>
+          </a:p>
+          <a:p>
+            <a:pPr marL="914400" lvl="1" indent="-457200" algn="l">
+              <a:buFont typeface="Arial" panose="020B0604020202020204" pitchFamily="34" charset="0"/>
+              <a:buChar char="•"/>
+            </a:pPr>
+            <a:r>
+              <a:rPr lang="nl-NL" sz="1800" dirty="0" err="1"/>
+              <a:t>Velocity</a:t>
+            </a:r>
+            <a:endParaRPr lang="nl-NL" sz="1800" dirty="0"/>
+          </a:p>
+          <a:p>
+            <a:pPr marL="342900" indent="-342900">
+              <a:buFont typeface="Arial" panose="020B0604020202020204" pitchFamily="34" charset="0"/>
+              <a:buChar char="•"/>
+            </a:pPr>
+            <a:r>
+              <a:rPr lang="nl-NL" dirty="0" err="1"/>
+              <a:t>Allow</a:t>
+            </a:r>
+            <a:r>
+              <a:rPr lang="nl-NL" dirty="0"/>
+              <a:t> users </a:t>
+            </a:r>
+            <a:r>
+              <a:rPr lang="nl-NL" dirty="0" err="1"/>
+              <a:t>to</a:t>
+            </a:r>
+            <a:r>
+              <a:rPr lang="nl-NL" dirty="0"/>
+              <a:t> </a:t>
+            </a:r>
+            <a:r>
+              <a:rPr lang="nl-NL" dirty="0" err="1"/>
+              <a:t>play</a:t>
+            </a:r>
+            <a:r>
+              <a:rPr lang="nl-NL" dirty="0"/>
+              <a:t> </a:t>
+            </a:r>
+            <a:r>
+              <a:rPr lang="nl-NL" dirty="0" err="1"/>
+              <a:t>around</a:t>
+            </a:r>
+            <a:r>
+              <a:rPr lang="nl-NL" dirty="0"/>
+              <a:t> </a:t>
+            </a:r>
+            <a:r>
+              <a:rPr lang="nl-NL" dirty="0" err="1"/>
+              <a:t>with</a:t>
+            </a:r>
+            <a:r>
+              <a:rPr lang="nl-NL" dirty="0"/>
+              <a:t> </a:t>
+            </a:r>
+            <a:r>
+              <a:rPr lang="nl-NL" dirty="0" err="1"/>
+              <a:t>the</a:t>
+            </a:r>
+            <a:r>
+              <a:rPr lang="nl-NL" dirty="0"/>
+              <a:t> </a:t>
+            </a:r>
+            <a:r>
+              <a:rPr lang="nl-NL" dirty="0" err="1"/>
+              <a:t>fluid</a:t>
+            </a:r>
+            <a:r>
+              <a:rPr lang="nl-NL" dirty="0"/>
+              <a:t> </a:t>
+            </a:r>
+            <a:r>
+              <a:rPr lang="nl-NL" dirty="0" err="1"/>
+              <a:t>simulation</a:t>
+            </a:r>
+            <a:r>
+              <a:rPr lang="nl-NL" dirty="0"/>
+              <a:t> in real time</a:t>
             </a:r>
           </a:p>
           <a:p>
@@ -5919,6 +6044,1114 @@
     <p:extLst>
       <p:ext uri="{BB962C8B-B14F-4D97-AF65-F5344CB8AC3E}">
         <p14:creationId xmlns:p14="http://schemas.microsoft.com/office/powerpoint/2010/main" val="712676243"/>
+      </p:ext>
+    </p:extLst>
+  </p:cSld>
+  <p:clrMapOvr>
+    <a:masterClrMapping/>
+  </p:clrMapOvr>
+</p:sld>
+</file>
+
+<file path=ppt/slides/slide3.xml><?xml version="1.0" encoding="utf-8"?>
+<p:sld xmlns:a="http://schemas.openxmlformats.org/drawingml/2006/main" xmlns:r="http://schemas.openxmlformats.org/officeDocument/2006/relationships" xmlns:p="http://schemas.openxmlformats.org/presentationml/2006/main">
+  <p:cSld>
+    <p:spTree>
+      <p:nvGrpSpPr>
+        <p:cNvPr id="1" name=""/>
+        <p:cNvGrpSpPr/>
+        <p:nvPr/>
+      </p:nvGrpSpPr>
+      <p:grpSpPr>
+        <a:xfrm>
+          <a:off x="0" y="0"/>
+          <a:ext cx="0" cy="0"/>
+          <a:chOff x="0" y="0"/>
+          <a:chExt cx="0" cy="0"/>
+        </a:xfrm>
+      </p:grpSpPr>
+      <p:sp>
+        <p:nvSpPr>
+          <p:cNvPr id="2" name="Titel 1">
+            <a:extLst>
+              <a:ext uri="{FF2B5EF4-FFF2-40B4-BE49-F238E27FC236}">
+                <a16:creationId xmlns:a16="http://schemas.microsoft.com/office/drawing/2014/main" id="{5CC78F16-E632-4E17-82C3-F06BE5303CD4}"/>
+              </a:ext>
+            </a:extLst>
+          </p:cNvPr>
+          <p:cNvSpPr>
+            <a:spLocks noGrp="1"/>
+          </p:cNvSpPr>
+          <p:nvPr>
+            <p:ph type="ctrTitle"/>
+          </p:nvPr>
+        </p:nvSpPr>
+        <p:spPr>
+          <a:xfrm>
+            <a:off x="1371600" y="1283516"/>
+            <a:ext cx="9448800" cy="922789"/>
+          </a:xfrm>
+        </p:spPr>
+        <p:txBody>
+          <a:bodyPr anchor="t"/>
+          <a:lstStyle/>
+          <a:p>
+            <a:r>
+              <a:rPr lang="nl-NL" dirty="0" err="1"/>
+              <a:t>External</a:t>
+            </a:r>
+            <a:r>
+              <a:rPr lang="nl-NL" dirty="0"/>
+              <a:t> </a:t>
+            </a:r>
+            <a:r>
+              <a:rPr lang="nl-NL" dirty="0" err="1"/>
+              <a:t>forces</a:t>
+            </a:r>
+            <a:endParaRPr lang="nl-NL" dirty="0"/>
+          </a:p>
+        </p:txBody>
+      </p:sp>
+      <p:sp>
+        <p:nvSpPr>
+          <p:cNvPr id="3" name="Ondertitel 2">
+            <a:extLst>
+              <a:ext uri="{FF2B5EF4-FFF2-40B4-BE49-F238E27FC236}">
+                <a16:creationId xmlns:a16="http://schemas.microsoft.com/office/drawing/2014/main" id="{B62D5BAE-643C-4D15-9B34-19551A2C8CFD}"/>
+              </a:ext>
+            </a:extLst>
+          </p:cNvPr>
+          <p:cNvSpPr>
+            <a:spLocks noGrp="1"/>
+          </p:cNvSpPr>
+          <p:nvPr>
+            <p:ph type="subTitle" idx="1"/>
+          </p:nvPr>
+        </p:nvSpPr>
+        <p:spPr>
+          <a:xfrm>
+            <a:off x="1371600" y="2449585"/>
+            <a:ext cx="9448800" cy="2650922"/>
+          </a:xfrm>
+        </p:spPr>
+        <p:txBody>
+          <a:bodyPr>
+            <a:normAutofit/>
+          </a:bodyPr>
+          <a:lstStyle/>
+          <a:p>
+            <a:pPr marL="342900" indent="-342900">
+              <a:buFont typeface="Arial" panose="020B0604020202020204" pitchFamily="34" charset="0"/>
+              <a:buChar char="•"/>
+            </a:pPr>
+            <a:r>
+              <a:rPr lang="nl-NL" dirty="0" err="1"/>
+              <a:t>Gravity</a:t>
+            </a:r>
+            <a:r>
+              <a:rPr lang="nl-NL" dirty="0"/>
+              <a:t> </a:t>
+            </a:r>
+            <a:r>
+              <a:rPr lang="nl-NL" dirty="0" err="1"/>
+              <a:t>based</a:t>
+            </a:r>
+            <a:r>
+              <a:rPr lang="nl-NL" dirty="0"/>
+              <a:t> on </a:t>
+            </a:r>
+            <a:r>
+              <a:rPr lang="nl-NL" i="1" dirty="0" err="1"/>
+              <a:t>density</a:t>
+            </a:r>
+            <a:endParaRPr lang="nl-NL" i="1" dirty="0"/>
+          </a:p>
+          <a:p>
+            <a:pPr marL="342900" indent="-342900">
+              <a:buFont typeface="Arial" panose="020B0604020202020204" pitchFamily="34" charset="0"/>
+              <a:buChar char="•"/>
+            </a:pPr>
+            <a:r>
+              <a:rPr lang="nl-NL" dirty="0" err="1"/>
+              <a:t>Buoyancy</a:t>
+            </a:r>
+            <a:r>
+              <a:rPr lang="nl-NL" dirty="0"/>
+              <a:t> </a:t>
+            </a:r>
+            <a:r>
+              <a:rPr lang="nl-NL" dirty="0" err="1"/>
+              <a:t>based</a:t>
+            </a:r>
+            <a:r>
+              <a:rPr lang="nl-NL" dirty="0"/>
+              <a:t> on </a:t>
+            </a:r>
+            <a:r>
+              <a:rPr lang="nl-NL" i="1" dirty="0" err="1"/>
+              <a:t>temperature</a:t>
+            </a:r>
+            <a:endParaRPr lang="nl-NL" i="1" dirty="0"/>
+          </a:p>
+        </p:txBody>
+      </p:sp>
+    </p:spTree>
+    <p:extLst>
+      <p:ext uri="{BB962C8B-B14F-4D97-AF65-F5344CB8AC3E}">
+        <p14:creationId xmlns:p14="http://schemas.microsoft.com/office/powerpoint/2010/main" val="77464542"/>
+      </p:ext>
+    </p:extLst>
+  </p:cSld>
+  <p:clrMapOvr>
+    <a:masterClrMapping/>
+  </p:clrMapOvr>
+</p:sld>
+</file>
+
+<file path=ppt/slides/slide4.xml><?xml version="1.0" encoding="utf-8"?>
+<p:sld xmlns:a="http://schemas.openxmlformats.org/drawingml/2006/main" xmlns:r="http://schemas.openxmlformats.org/officeDocument/2006/relationships" xmlns:p="http://schemas.openxmlformats.org/presentationml/2006/main">
+  <p:cSld>
+    <p:spTree>
+      <p:nvGrpSpPr>
+        <p:cNvPr id="1" name=""/>
+        <p:cNvGrpSpPr/>
+        <p:nvPr/>
+      </p:nvGrpSpPr>
+      <p:grpSpPr>
+        <a:xfrm>
+          <a:off x="0" y="0"/>
+          <a:ext cx="0" cy="0"/>
+          <a:chOff x="0" y="0"/>
+          <a:chExt cx="0" cy="0"/>
+        </a:xfrm>
+      </p:grpSpPr>
+      <p:sp>
+        <p:nvSpPr>
+          <p:cNvPr id="2" name="Titel 1">
+            <a:extLst>
+              <a:ext uri="{FF2B5EF4-FFF2-40B4-BE49-F238E27FC236}">
+                <a16:creationId xmlns:a16="http://schemas.microsoft.com/office/drawing/2014/main" id="{5CC78F16-E632-4E17-82C3-F06BE5303CD4}"/>
+              </a:ext>
+            </a:extLst>
+          </p:cNvPr>
+          <p:cNvSpPr>
+            <a:spLocks noGrp="1"/>
+          </p:cNvSpPr>
+          <p:nvPr>
+            <p:ph type="ctrTitle"/>
+          </p:nvPr>
+        </p:nvSpPr>
+        <p:spPr>
+          <a:xfrm>
+            <a:off x="1371600" y="1283516"/>
+            <a:ext cx="9448800" cy="922789"/>
+          </a:xfrm>
+        </p:spPr>
+        <p:txBody>
+          <a:bodyPr anchor="t"/>
+          <a:lstStyle/>
+          <a:p>
+            <a:r>
+              <a:rPr lang="nl-NL" dirty="0" err="1"/>
+              <a:t>Internal</a:t>
+            </a:r>
+            <a:r>
+              <a:rPr lang="nl-NL" dirty="0"/>
+              <a:t> </a:t>
+            </a:r>
+            <a:r>
+              <a:rPr lang="nl-NL" dirty="0" err="1"/>
+              <a:t>boundaries</a:t>
+            </a:r>
+            <a:endParaRPr lang="nl-NL" dirty="0"/>
+          </a:p>
+        </p:txBody>
+      </p:sp>
+      <p:sp>
+        <p:nvSpPr>
+          <p:cNvPr id="3" name="Ondertitel 2">
+            <a:extLst>
+              <a:ext uri="{FF2B5EF4-FFF2-40B4-BE49-F238E27FC236}">
+                <a16:creationId xmlns:a16="http://schemas.microsoft.com/office/drawing/2014/main" id="{B62D5BAE-643C-4D15-9B34-19551A2C8CFD}"/>
+              </a:ext>
+            </a:extLst>
+          </p:cNvPr>
+          <p:cNvSpPr>
+            <a:spLocks noGrp="1"/>
+          </p:cNvSpPr>
+          <p:nvPr>
+            <p:ph type="subTitle" idx="1"/>
+          </p:nvPr>
+        </p:nvSpPr>
+        <p:spPr>
+          <a:xfrm>
+            <a:off x="1371600" y="2449585"/>
+            <a:ext cx="9448800" cy="2650922"/>
+          </a:xfrm>
+        </p:spPr>
+        <p:txBody>
+          <a:bodyPr>
+            <a:normAutofit/>
+          </a:bodyPr>
+          <a:lstStyle/>
+          <a:p>
+            <a:pPr marL="342900" indent="-342900">
+              <a:buFont typeface="Arial" panose="020B0604020202020204" pitchFamily="34" charset="0"/>
+              <a:buChar char="•"/>
+            </a:pPr>
+            <a:r>
+              <a:rPr lang="nl-NL" dirty="0"/>
+              <a:t>Original paper </a:t>
+            </a:r>
+            <a:r>
+              <a:rPr lang="nl-NL" dirty="0" err="1"/>
+              <a:t>only</a:t>
+            </a:r>
+            <a:r>
+              <a:rPr lang="nl-NL" dirty="0"/>
+              <a:t> </a:t>
+            </a:r>
+            <a:r>
+              <a:rPr lang="nl-NL" dirty="0" err="1"/>
+              <a:t>supported</a:t>
+            </a:r>
+            <a:r>
+              <a:rPr lang="nl-NL" dirty="0"/>
+              <a:t> </a:t>
+            </a:r>
+            <a:r>
+              <a:rPr lang="nl-NL" i="1" dirty="0" err="1"/>
+              <a:t>edge</a:t>
+            </a:r>
+            <a:r>
+              <a:rPr lang="nl-NL" i="1" dirty="0"/>
+              <a:t> </a:t>
+            </a:r>
+            <a:r>
+              <a:rPr lang="nl-NL" i="1" dirty="0" err="1"/>
+              <a:t>boudaries</a:t>
+            </a:r>
+            <a:endParaRPr lang="nl-NL" i="1" dirty="0"/>
+          </a:p>
+          <a:p>
+            <a:pPr marL="342900" indent="-342900">
+              <a:buFont typeface="Arial" panose="020B0604020202020204" pitchFamily="34" charset="0"/>
+              <a:buChar char="•"/>
+            </a:pPr>
+            <a:r>
+              <a:rPr lang="nl-NL" dirty="0"/>
+              <a:t>We have </a:t>
+            </a:r>
+            <a:r>
+              <a:rPr lang="nl-NL" dirty="0" err="1"/>
+              <a:t>added</a:t>
+            </a:r>
+            <a:r>
+              <a:rPr lang="nl-NL" dirty="0"/>
+              <a:t> </a:t>
+            </a:r>
+            <a:r>
+              <a:rPr lang="nl-NL" i="1" dirty="0" err="1"/>
+              <a:t>internal</a:t>
+            </a:r>
+            <a:r>
+              <a:rPr lang="nl-NL" i="1" dirty="0"/>
+              <a:t> </a:t>
+            </a:r>
+            <a:r>
+              <a:rPr lang="nl-NL" i="1" dirty="0" err="1"/>
+              <a:t>boundaries</a:t>
+            </a:r>
+            <a:endParaRPr lang="nl-NL" i="1" dirty="0"/>
+          </a:p>
+          <a:p>
+            <a:pPr marL="342900" indent="-342900">
+              <a:buFont typeface="Arial" panose="020B0604020202020204" pitchFamily="34" charset="0"/>
+              <a:buChar char="•"/>
+            </a:pPr>
+            <a:r>
+              <a:rPr lang="nl-NL" dirty="0"/>
+              <a:t>User </a:t>
+            </a:r>
+            <a:r>
+              <a:rPr lang="nl-NL" dirty="0" err="1"/>
+              <a:t>can</a:t>
+            </a:r>
+            <a:r>
+              <a:rPr lang="nl-NL" dirty="0"/>
+              <a:t> draw these</a:t>
+            </a:r>
+          </a:p>
+        </p:txBody>
+      </p:sp>
+      <p:pic>
+        <p:nvPicPr>
+          <p:cNvPr id="5" name="Afbeelding 4">
+            <a:extLst>
+              <a:ext uri="{FF2B5EF4-FFF2-40B4-BE49-F238E27FC236}">
+                <a16:creationId xmlns:a16="http://schemas.microsoft.com/office/drawing/2014/main" id="{C10BF154-402B-429C-981B-69786964D2D8}"/>
+              </a:ext>
+            </a:extLst>
+          </p:cNvPr>
+          <p:cNvPicPr>
+            <a:picLocks noChangeAspect="1"/>
+          </p:cNvPicPr>
+          <p:nvPr/>
+        </p:nvPicPr>
+        <p:blipFill rotWithShape="1">
+          <a:blip r:embed="rId2"/>
+          <a:srcRect l="42524" t="32171" r="47225" b="43609"/>
+          <a:stretch/>
+        </p:blipFill>
+        <p:spPr>
+          <a:xfrm>
+            <a:off x="8498210" y="2449585"/>
+            <a:ext cx="1660858" cy="2207333"/>
+          </a:xfrm>
+          <a:prstGeom prst="rect">
+            <a:avLst/>
+          </a:prstGeom>
+        </p:spPr>
+      </p:pic>
+    </p:spTree>
+    <p:extLst>
+      <p:ext uri="{BB962C8B-B14F-4D97-AF65-F5344CB8AC3E}">
+        <p14:creationId xmlns:p14="http://schemas.microsoft.com/office/powerpoint/2010/main" val="2957250753"/>
+      </p:ext>
+    </p:extLst>
+  </p:cSld>
+  <p:clrMapOvr>
+    <a:masterClrMapping/>
+  </p:clrMapOvr>
+</p:sld>
+</file>
+
+<file path=ppt/slides/slide5.xml><?xml version="1.0" encoding="utf-8"?>
+<p:sld xmlns:a="http://schemas.openxmlformats.org/drawingml/2006/main" xmlns:r="http://schemas.openxmlformats.org/officeDocument/2006/relationships" xmlns:p="http://schemas.openxmlformats.org/presentationml/2006/main">
+  <p:cSld>
+    <p:spTree>
+      <p:nvGrpSpPr>
+        <p:cNvPr id="1" name=""/>
+        <p:cNvGrpSpPr/>
+        <p:nvPr/>
+      </p:nvGrpSpPr>
+      <p:grpSpPr>
+        <a:xfrm>
+          <a:off x="0" y="0"/>
+          <a:ext cx="0" cy="0"/>
+          <a:chOff x="0" y="0"/>
+          <a:chExt cx="0" cy="0"/>
+        </a:xfrm>
+      </p:grpSpPr>
+      <p:sp>
+        <p:nvSpPr>
+          <p:cNvPr id="2" name="Titel 1">
+            <a:extLst>
+              <a:ext uri="{FF2B5EF4-FFF2-40B4-BE49-F238E27FC236}">
+                <a16:creationId xmlns:a16="http://schemas.microsoft.com/office/drawing/2014/main" id="{5CC78F16-E632-4E17-82C3-F06BE5303CD4}"/>
+              </a:ext>
+            </a:extLst>
+          </p:cNvPr>
+          <p:cNvSpPr>
+            <a:spLocks noGrp="1"/>
+          </p:cNvSpPr>
+          <p:nvPr>
+            <p:ph type="ctrTitle"/>
+          </p:nvPr>
+        </p:nvSpPr>
+        <p:spPr>
+          <a:xfrm>
+            <a:off x="1371600" y="1283516"/>
+            <a:ext cx="9448800" cy="922789"/>
+          </a:xfrm>
+        </p:spPr>
+        <p:txBody>
+          <a:bodyPr anchor="t">
+            <a:normAutofit fontScale="90000"/>
+          </a:bodyPr>
+          <a:lstStyle/>
+          <a:p>
+            <a:r>
+              <a:rPr lang="nl-NL" dirty="0" err="1"/>
+              <a:t>Vorticity</a:t>
+            </a:r>
+            <a:r>
+              <a:rPr lang="nl-NL" dirty="0"/>
+              <a:t> </a:t>
+            </a:r>
+            <a:r>
+              <a:rPr lang="nl-NL" dirty="0" err="1"/>
+              <a:t>confinement</a:t>
+            </a:r>
+            <a:endParaRPr lang="nl-NL" dirty="0"/>
+          </a:p>
+        </p:txBody>
+      </p:sp>
+      <p:sp>
+        <p:nvSpPr>
+          <p:cNvPr id="3" name="Ondertitel 2">
+            <a:extLst>
+              <a:ext uri="{FF2B5EF4-FFF2-40B4-BE49-F238E27FC236}">
+                <a16:creationId xmlns:a16="http://schemas.microsoft.com/office/drawing/2014/main" id="{B62D5BAE-643C-4D15-9B34-19551A2C8CFD}"/>
+              </a:ext>
+            </a:extLst>
+          </p:cNvPr>
+          <p:cNvSpPr>
+            <a:spLocks noGrp="1"/>
+          </p:cNvSpPr>
+          <p:nvPr>
+            <p:ph type="subTitle" idx="1"/>
+          </p:nvPr>
+        </p:nvSpPr>
+        <p:spPr>
+          <a:xfrm>
+            <a:off x="1371600" y="2457973"/>
+            <a:ext cx="9448800" cy="3833769"/>
+          </a:xfrm>
+        </p:spPr>
+        <p:txBody>
+          <a:bodyPr>
+            <a:normAutofit/>
+          </a:bodyPr>
+          <a:lstStyle/>
+          <a:p>
+            <a:pPr marL="342900" indent="-342900">
+              <a:buFont typeface="Arial" panose="020B0604020202020204" pitchFamily="34" charset="0"/>
+              <a:buChar char="•"/>
+            </a:pPr>
+            <a:r>
+              <a:rPr lang="nl-NL" dirty="0"/>
+              <a:t>Low </a:t>
+            </a:r>
+            <a:r>
+              <a:rPr lang="nl-NL" dirty="0" err="1"/>
+              <a:t>amount</a:t>
+            </a:r>
+            <a:r>
+              <a:rPr lang="nl-NL" dirty="0"/>
+              <a:t> of </a:t>
+            </a:r>
+            <a:r>
+              <a:rPr lang="nl-NL" dirty="0" err="1"/>
+              <a:t>iterations</a:t>
+            </a:r>
+            <a:r>
+              <a:rPr lang="nl-NL" dirty="0"/>
+              <a:t> in </a:t>
+            </a:r>
+            <a:r>
+              <a:rPr lang="nl-NL" dirty="0" err="1"/>
+              <a:t>the</a:t>
+            </a:r>
+            <a:r>
+              <a:rPr lang="nl-NL" dirty="0"/>
+              <a:t> </a:t>
+            </a:r>
+            <a:r>
+              <a:rPr lang="nl-NL" i="1" dirty="0" err="1"/>
+              <a:t>linear</a:t>
+            </a:r>
+            <a:r>
+              <a:rPr lang="nl-NL" i="1" dirty="0"/>
+              <a:t> </a:t>
+            </a:r>
+            <a:r>
+              <a:rPr lang="nl-NL" i="1" dirty="0" err="1"/>
+              <a:t>solver</a:t>
+            </a:r>
+            <a:endParaRPr lang="nl-NL" i="1" dirty="0"/>
+          </a:p>
+          <a:p>
+            <a:pPr marL="342900" indent="-342900">
+              <a:buFont typeface="Arial" panose="020B0604020202020204" pitchFamily="34" charset="0"/>
+              <a:buChar char="•"/>
+            </a:pPr>
+            <a:r>
+              <a:rPr lang="nl-NL" i="1" dirty="0" err="1"/>
+              <a:t>Numerical</a:t>
+            </a:r>
+            <a:r>
+              <a:rPr lang="nl-NL" i="1" dirty="0"/>
+              <a:t> </a:t>
+            </a:r>
+            <a:r>
+              <a:rPr lang="nl-NL" i="1" dirty="0" err="1"/>
+              <a:t>dissipation</a:t>
+            </a:r>
+            <a:r>
+              <a:rPr lang="nl-NL" i="1" dirty="0"/>
+              <a:t> </a:t>
+            </a:r>
+            <a:r>
+              <a:rPr lang="nl-NL" dirty="0" err="1"/>
+              <a:t>causes</a:t>
+            </a:r>
+            <a:r>
+              <a:rPr lang="nl-NL" dirty="0"/>
+              <a:t> high </a:t>
+            </a:r>
+            <a:r>
+              <a:rPr lang="nl-NL" dirty="0" err="1"/>
+              <a:t>frequencies</a:t>
+            </a:r>
+            <a:r>
+              <a:rPr lang="nl-NL" dirty="0"/>
+              <a:t> </a:t>
+            </a:r>
+            <a:r>
+              <a:rPr lang="nl-NL" dirty="0" err="1"/>
+              <a:t>to</a:t>
+            </a:r>
+            <a:r>
+              <a:rPr lang="nl-NL" dirty="0"/>
+              <a:t> </a:t>
+            </a:r>
+            <a:r>
+              <a:rPr lang="nl-NL" dirty="0" err="1"/>
+              <a:t>dissolve</a:t>
+            </a:r>
+            <a:endParaRPr lang="nl-NL" dirty="0"/>
+          </a:p>
+          <a:p>
+            <a:pPr marL="342900" indent="-342900">
+              <a:buFont typeface="Arial" panose="020B0604020202020204" pitchFamily="34" charset="0"/>
+              <a:buChar char="•"/>
+            </a:pPr>
+            <a:r>
+              <a:rPr lang="nl-NL" dirty="0" err="1"/>
+              <a:t>Additional</a:t>
+            </a:r>
+            <a:r>
+              <a:rPr lang="nl-NL" dirty="0"/>
+              <a:t> force </a:t>
+            </a:r>
+            <a:r>
+              <a:rPr lang="nl-NL" dirty="0" err="1"/>
+              <a:t>computed</a:t>
+            </a:r>
+            <a:r>
+              <a:rPr lang="nl-NL" dirty="0"/>
+              <a:t> </a:t>
+            </a:r>
+            <a:r>
+              <a:rPr lang="nl-NL" dirty="0" err="1"/>
+              <a:t>from</a:t>
+            </a:r>
+            <a:r>
+              <a:rPr lang="nl-NL" dirty="0"/>
+              <a:t> </a:t>
+            </a:r>
+            <a:r>
+              <a:rPr lang="nl-NL" i="1" dirty="0" err="1"/>
+              <a:t>curl</a:t>
+            </a:r>
+            <a:endParaRPr lang="nl-NL" i="1" dirty="0"/>
+          </a:p>
+          <a:p>
+            <a:pPr marL="342900" indent="-342900">
+              <a:buFont typeface="Arial" panose="020B0604020202020204" pitchFamily="34" charset="0"/>
+              <a:buChar char="•"/>
+            </a:pPr>
+            <a:endParaRPr lang="nl-NL" dirty="0"/>
+          </a:p>
+          <a:p>
+            <a:pPr marL="342900" indent="-342900">
+              <a:buFont typeface="Arial" panose="020B0604020202020204" pitchFamily="34" charset="0"/>
+              <a:buChar char="•"/>
+            </a:pPr>
+            <a:endParaRPr lang="nl-NL" dirty="0"/>
+          </a:p>
+          <a:p>
+            <a:pPr marL="342900" indent="-342900">
+              <a:buFont typeface="Arial" panose="020B0604020202020204" pitchFamily="34" charset="0"/>
+              <a:buChar char="•"/>
+            </a:pPr>
+            <a:endParaRPr lang="nl-NL" dirty="0"/>
+          </a:p>
+          <a:p>
+            <a:pPr marL="342900" indent="-342900">
+              <a:buFont typeface="Arial" panose="020B0604020202020204" pitchFamily="34" charset="0"/>
+              <a:buChar char="•"/>
+            </a:pPr>
+            <a:endParaRPr lang="nl-NL" dirty="0"/>
+          </a:p>
+          <a:p>
+            <a:pPr marL="342900" indent="-342900">
+              <a:buFont typeface="Arial" panose="020B0604020202020204" pitchFamily="34" charset="0"/>
+              <a:buChar char="•"/>
+            </a:pPr>
+            <a:r>
+              <a:rPr lang="nl-NL" dirty="0"/>
+              <a:t>Force </a:t>
+            </a:r>
+            <a:r>
+              <a:rPr lang="nl-NL" dirty="0" err="1"/>
+              <a:t>integrated</a:t>
+            </a:r>
+            <a:r>
+              <a:rPr lang="nl-NL" dirty="0"/>
+              <a:t> </a:t>
+            </a:r>
+            <a:r>
+              <a:rPr lang="nl-NL" dirty="0" err="1"/>
+              <a:t>using</a:t>
+            </a:r>
+            <a:r>
+              <a:rPr lang="nl-NL" dirty="0"/>
+              <a:t> Forward Euler</a:t>
+            </a:r>
+          </a:p>
+        </p:txBody>
+      </p:sp>
+      <mc:AlternateContent xmlns:mc="http://schemas.openxmlformats.org/markup-compatibility/2006">
+        <mc:Choice xmlns:a14="http://schemas.microsoft.com/office/drawing/2010/main" Requires="a14">
+          <p:sp>
+            <p:nvSpPr>
+              <p:cNvPr id="5" name="Tekstvak 4">
+                <a:extLst>
+                  <a:ext uri="{FF2B5EF4-FFF2-40B4-BE49-F238E27FC236}">
+                    <a16:creationId xmlns:a16="http://schemas.microsoft.com/office/drawing/2014/main" id="{4B2B0249-BDC6-4CC6-8DE2-B4D5B68C30BB}"/>
+                  </a:ext>
+                </a:extLst>
+              </p:cNvPr>
+              <p:cNvSpPr txBox="1"/>
+              <p:nvPr/>
+            </p:nvSpPr>
+            <p:spPr>
+              <a:xfrm>
+                <a:off x="1837189" y="3716323"/>
+                <a:ext cx="1459630" cy="1352165"/>
+              </a:xfrm>
+              <a:prstGeom prst="rect">
+                <a:avLst/>
+              </a:prstGeom>
+              <a:noFill/>
+            </p:spPr>
+            <p:txBody>
+              <a:bodyPr wrap="none" lIns="0" tIns="0" rIns="0" bIns="0" rtlCol="0">
+                <a:spAutoFit/>
+              </a:bodyPr>
+              <a:lstStyle/>
+              <a:p>
+                <a:pPr/>
+                <a14:m>
+                  <m:oMathPara xmlns:m="http://schemas.openxmlformats.org/officeDocument/2006/math">
+                    <m:oMathParaPr>
+                      <m:jc m:val="left"/>
+                    </m:oMathParaPr>
+                    <m:oMath xmlns:m="http://schemas.openxmlformats.org/officeDocument/2006/math">
+                      <m:r>
+                        <a:rPr lang="nl-NL" i="1" smtClean="0">
+                          <a:latin typeface="Cambria Math" panose="02040503050406030204" pitchFamily="18" charset="0"/>
+                        </a:rPr>
+                        <m:t>𝜔</m:t>
+                      </m:r>
+                      <m:r>
+                        <a:rPr lang="nl-NL" i="0">
+                          <a:latin typeface="Cambria Math" panose="02040503050406030204" pitchFamily="18" charset="0"/>
+                        </a:rPr>
+                        <m:t>=</m:t>
+                      </m:r>
+                      <m:r>
+                        <m:rPr>
+                          <m:sty m:val="p"/>
+                        </m:rPr>
+                        <a:rPr lang="nl-NL" i="0">
+                          <a:latin typeface="Cambria Math" panose="02040503050406030204" pitchFamily="18" charset="0"/>
+                        </a:rPr>
+                        <m:t>∇</m:t>
+                      </m:r>
+                      <m:r>
+                        <a:rPr lang="nl-NL" i="0">
+                          <a:latin typeface="Cambria Math" panose="02040503050406030204" pitchFamily="18" charset="0"/>
+                        </a:rPr>
+                        <m:t>×</m:t>
+                      </m:r>
+                      <m:acc>
+                        <m:accPr>
+                          <m:chr m:val="⃗"/>
+                          <m:ctrlPr>
+                            <a:rPr lang="nl-NL" i="1">
+                              <a:latin typeface="Cambria Math" panose="02040503050406030204" pitchFamily="18" charset="0"/>
+                            </a:rPr>
+                          </m:ctrlPr>
+                        </m:accPr>
+                        <m:e>
+                          <m:r>
+                            <a:rPr lang="nl-NL" i="1">
+                              <a:latin typeface="Cambria Math" panose="02040503050406030204" pitchFamily="18" charset="0"/>
+                            </a:rPr>
+                            <m:t>𝑣</m:t>
+                          </m:r>
+                        </m:e>
+                      </m:acc>
+                    </m:oMath>
+                  </m:oMathPara>
+                </a14:m>
+                <a:endParaRPr lang="nl-NL" dirty="0"/>
+              </a:p>
+              <a:p>
+                <a:pPr/>
+                <a14:m>
+                  <m:oMathPara xmlns:m="http://schemas.openxmlformats.org/officeDocument/2006/math">
+                    <m:oMathParaPr>
+                      <m:jc m:val="left"/>
+                    </m:oMathParaPr>
+                    <m:oMath xmlns:m="http://schemas.openxmlformats.org/officeDocument/2006/math">
+                      <m:r>
+                        <a:rPr lang="nl-NL" i="1">
+                          <a:latin typeface="Cambria Math" panose="02040503050406030204" pitchFamily="18" charset="0"/>
+                        </a:rPr>
+                        <m:t>𝜂</m:t>
+                      </m:r>
+                      <m:r>
+                        <a:rPr lang="nl-NL" b="0" i="1" smtClean="0">
+                          <a:latin typeface="Cambria Math" panose="02040503050406030204" pitchFamily="18" charset="0"/>
+                        </a:rPr>
+                        <m:t> </m:t>
+                      </m:r>
+                      <m:r>
+                        <a:rPr lang="nl-NL" i="1">
+                          <a:latin typeface="Cambria Math" panose="02040503050406030204" pitchFamily="18" charset="0"/>
+                        </a:rPr>
+                        <m:t>=</m:t>
+                      </m:r>
+                      <m:r>
+                        <m:rPr>
+                          <m:sty m:val="p"/>
+                        </m:rPr>
+                        <a:rPr lang="nl-NL" i="1">
+                          <a:latin typeface="Cambria Math" panose="02040503050406030204" pitchFamily="18" charset="0"/>
+                        </a:rPr>
+                        <m:t>∇</m:t>
+                      </m:r>
+                      <m:d>
+                        <m:dPr>
+                          <m:begChr m:val="|"/>
+                          <m:endChr m:val="|"/>
+                          <m:ctrlPr>
+                            <a:rPr lang="nl-NL" i="1">
+                              <a:latin typeface="Cambria Math" panose="02040503050406030204" pitchFamily="18" charset="0"/>
+                            </a:rPr>
+                          </m:ctrlPr>
+                        </m:dPr>
+                        <m:e>
+                          <m:r>
+                            <a:rPr lang="nl-NL" i="1">
+                              <a:latin typeface="Cambria Math" panose="02040503050406030204" pitchFamily="18" charset="0"/>
+                            </a:rPr>
+                            <m:t>𝜔</m:t>
+                          </m:r>
+                        </m:e>
+                      </m:d>
+                    </m:oMath>
+                  </m:oMathPara>
+                </a14:m>
+                <a:endParaRPr lang="nl-NL" dirty="0"/>
+              </a:p>
+              <a:p>
+                <a:pPr/>
+                <a14:m>
+                  <m:oMathPara xmlns:m="http://schemas.openxmlformats.org/officeDocument/2006/math">
+                    <m:oMathParaPr>
+                      <m:jc m:val="left"/>
+                    </m:oMathParaPr>
+                    <m:oMath xmlns:m="http://schemas.openxmlformats.org/officeDocument/2006/math">
+                      <m:r>
+                        <a:rPr lang="nl-NL" i="1" dirty="0" smtClean="0">
+                          <a:latin typeface="Cambria Math" panose="02040503050406030204" pitchFamily="18" charset="0"/>
+                        </a:rPr>
+                        <m:t>𝛹</m:t>
+                      </m:r>
+                      <m:r>
+                        <a:rPr lang="nl-NL" i="0" dirty="0">
+                          <a:latin typeface="Cambria Math" panose="02040503050406030204" pitchFamily="18" charset="0"/>
+                        </a:rPr>
+                        <m:t>=</m:t>
+                      </m:r>
+                      <m:f>
+                        <m:fPr>
+                          <m:ctrlPr>
+                            <a:rPr lang="nl-NL" i="1" dirty="0">
+                              <a:latin typeface="Cambria Math" panose="02040503050406030204" pitchFamily="18" charset="0"/>
+                            </a:rPr>
+                          </m:ctrlPr>
+                        </m:fPr>
+                        <m:num>
+                          <m:r>
+                            <a:rPr lang="nl-NL" i="1" dirty="0">
+                              <a:latin typeface="Cambria Math" panose="02040503050406030204" pitchFamily="18" charset="0"/>
+                            </a:rPr>
+                            <m:t>𝜂</m:t>
+                          </m:r>
+                        </m:num>
+                        <m:den>
+                          <m:d>
+                            <m:dPr>
+                              <m:begChr m:val="|"/>
+                              <m:endChr m:val="|"/>
+                              <m:ctrlPr>
+                                <a:rPr lang="nl-NL" i="1" dirty="0">
+                                  <a:latin typeface="Cambria Math" panose="02040503050406030204" pitchFamily="18" charset="0"/>
+                                </a:rPr>
+                              </m:ctrlPr>
+                            </m:dPr>
+                            <m:e>
+                              <m:r>
+                                <a:rPr lang="nl-NL" i="1" dirty="0">
+                                  <a:latin typeface="Cambria Math" panose="02040503050406030204" pitchFamily="18" charset="0"/>
+                                </a:rPr>
+                                <m:t>𝜂</m:t>
+                              </m:r>
+                            </m:e>
+                          </m:d>
+                        </m:den>
+                      </m:f>
+                    </m:oMath>
+                  </m:oMathPara>
+                </a14:m>
+                <a:endParaRPr lang="nl-NL" dirty="0"/>
+              </a:p>
+              <a:p>
+                <a:pPr/>
+                <a14:m>
+                  <m:oMathPara xmlns:m="http://schemas.openxmlformats.org/officeDocument/2006/math">
+                    <m:oMathParaPr>
+                      <m:jc m:val="left"/>
+                    </m:oMathParaPr>
+                    <m:oMath xmlns:m="http://schemas.openxmlformats.org/officeDocument/2006/math">
+                      <m:r>
+                        <a:rPr lang="nl-NL" i="1" dirty="0" smtClean="0">
+                          <a:latin typeface="Cambria Math" panose="02040503050406030204" pitchFamily="18" charset="0"/>
+                        </a:rPr>
+                        <m:t>𝑓</m:t>
+                      </m:r>
+                      <m:r>
+                        <a:rPr lang="nl-NL" b="0" i="1" dirty="0" smtClean="0">
+                          <a:latin typeface="Cambria Math" panose="02040503050406030204" pitchFamily="18" charset="0"/>
+                        </a:rPr>
+                        <m:t> </m:t>
+                      </m:r>
+                      <m:r>
+                        <a:rPr lang="nl-NL" i="0" dirty="0">
+                          <a:latin typeface="Cambria Math" panose="02040503050406030204" pitchFamily="18" charset="0"/>
+                        </a:rPr>
+                        <m:t>=</m:t>
+                      </m:r>
+                      <m:r>
+                        <a:rPr lang="nl-NL" i="1" dirty="0">
+                          <a:latin typeface="Cambria Math" panose="02040503050406030204" pitchFamily="18" charset="0"/>
+                        </a:rPr>
+                        <m:t>𝜀</m:t>
+                      </m:r>
+                      <m:d>
+                        <m:dPr>
+                          <m:ctrlPr>
+                            <a:rPr lang="nl-NL" i="1" dirty="0">
+                              <a:latin typeface="Cambria Math" panose="02040503050406030204" pitchFamily="18" charset="0"/>
+                            </a:rPr>
+                          </m:ctrlPr>
+                        </m:dPr>
+                        <m:e>
+                          <m:r>
+                            <a:rPr lang="nl-NL" i="1" dirty="0">
+                              <a:latin typeface="Cambria Math" panose="02040503050406030204" pitchFamily="18" charset="0"/>
+                            </a:rPr>
+                            <m:t>𝜓</m:t>
+                          </m:r>
+                          <m:r>
+                            <a:rPr lang="nl-NL" i="0" dirty="0">
+                              <a:latin typeface="Cambria Math" panose="02040503050406030204" pitchFamily="18" charset="0"/>
+                            </a:rPr>
+                            <m:t>×</m:t>
+                          </m:r>
+                          <m:r>
+                            <a:rPr lang="nl-NL" i="1" dirty="0">
+                              <a:latin typeface="Cambria Math" panose="02040503050406030204" pitchFamily="18" charset="0"/>
+                            </a:rPr>
+                            <m:t>𝜔</m:t>
+                          </m:r>
+                        </m:e>
+                      </m:d>
+                    </m:oMath>
+                  </m:oMathPara>
+                </a14:m>
+                <a:endParaRPr lang="nl-NL" dirty="0"/>
+              </a:p>
+            </p:txBody>
+          </p:sp>
+        </mc:Choice>
+        <mc:Fallback>
+          <p:sp>
+            <p:nvSpPr>
+              <p:cNvPr id="5" name="Tekstvak 4">
+                <a:extLst>
+                  <a:ext uri="{FF2B5EF4-FFF2-40B4-BE49-F238E27FC236}">
+                    <a16:creationId xmlns:a16="http://schemas.microsoft.com/office/drawing/2014/main" id="{4B2B0249-BDC6-4CC6-8DE2-B4D5B68C30BB}"/>
+                  </a:ext>
+                </a:extLst>
+              </p:cNvPr>
+              <p:cNvSpPr txBox="1">
+                <a:spLocks noRot="1" noChangeAspect="1" noMove="1" noResize="1" noEditPoints="1" noAdjustHandles="1" noChangeArrowheads="1" noChangeShapeType="1" noTextEdit="1"/>
+              </p:cNvSpPr>
+              <p:nvPr/>
+            </p:nvSpPr>
+            <p:spPr>
+              <a:xfrm>
+                <a:off x="1837189" y="3716323"/>
+                <a:ext cx="1459630" cy="1352165"/>
+              </a:xfrm>
+              <a:prstGeom prst="rect">
+                <a:avLst/>
+              </a:prstGeom>
+              <a:blipFill>
+                <a:blip r:embed="rId2"/>
+                <a:stretch>
+                  <a:fillRect l="-7500" t="-9050" b="-7240"/>
+                </a:stretch>
+              </a:blipFill>
+            </p:spPr>
+            <p:txBody>
+              <a:bodyPr/>
+              <a:lstStyle/>
+              <a:p>
+                <a:r>
+                  <a:rPr lang="nl-NL">
+                    <a:noFill/>
+                  </a:rPr>
+                  <a:t> </a:t>
+                </a:r>
+              </a:p>
+            </p:txBody>
+          </p:sp>
+        </mc:Fallback>
+      </mc:AlternateContent>
+    </p:spTree>
+    <p:extLst>
+      <p:ext uri="{BB962C8B-B14F-4D97-AF65-F5344CB8AC3E}">
+        <p14:creationId xmlns:p14="http://schemas.microsoft.com/office/powerpoint/2010/main" val="4183203445"/>
+      </p:ext>
+    </p:extLst>
+  </p:cSld>
+  <p:clrMapOvr>
+    <a:masterClrMapping/>
+  </p:clrMapOvr>
+</p:sld>
+</file>
+
+<file path=ppt/slides/slide6.xml><?xml version="1.0" encoding="utf-8"?>
+<p:sld xmlns:a="http://schemas.openxmlformats.org/drawingml/2006/main" xmlns:r="http://schemas.openxmlformats.org/officeDocument/2006/relationships" xmlns:p="http://schemas.openxmlformats.org/presentationml/2006/main">
+  <p:cSld>
+    <p:spTree>
+      <p:nvGrpSpPr>
+        <p:cNvPr id="1" name=""/>
+        <p:cNvGrpSpPr/>
+        <p:nvPr/>
+      </p:nvGrpSpPr>
+      <p:grpSpPr>
+        <a:xfrm>
+          <a:off x="0" y="0"/>
+          <a:ext cx="0" cy="0"/>
+          <a:chOff x="0" y="0"/>
+          <a:chExt cx="0" cy="0"/>
+        </a:xfrm>
+      </p:grpSpPr>
+      <p:sp>
+        <p:nvSpPr>
+          <p:cNvPr id="2" name="Titel 1">
+            <a:extLst>
+              <a:ext uri="{FF2B5EF4-FFF2-40B4-BE49-F238E27FC236}">
+                <a16:creationId xmlns:a16="http://schemas.microsoft.com/office/drawing/2014/main" id="{5CC78F16-E632-4E17-82C3-F06BE5303CD4}"/>
+              </a:ext>
+            </a:extLst>
+          </p:cNvPr>
+          <p:cNvSpPr>
+            <a:spLocks noGrp="1"/>
+          </p:cNvSpPr>
+          <p:nvPr>
+            <p:ph type="ctrTitle"/>
+          </p:nvPr>
+        </p:nvSpPr>
+        <p:spPr>
+          <a:xfrm>
+            <a:off x="1371600" y="1283516"/>
+            <a:ext cx="9448800" cy="922789"/>
+          </a:xfrm>
+        </p:spPr>
+        <p:txBody>
+          <a:bodyPr anchor="t"/>
+          <a:lstStyle/>
+          <a:p>
+            <a:r>
+              <a:rPr lang="nl-NL" dirty="0" err="1"/>
+              <a:t>References</a:t>
+            </a:r>
+            <a:endParaRPr lang="nl-NL" dirty="0"/>
+          </a:p>
+        </p:txBody>
+      </p:sp>
+      <p:sp>
+        <p:nvSpPr>
+          <p:cNvPr id="3" name="Ondertitel 2">
+            <a:extLst>
+              <a:ext uri="{FF2B5EF4-FFF2-40B4-BE49-F238E27FC236}">
+                <a16:creationId xmlns:a16="http://schemas.microsoft.com/office/drawing/2014/main" id="{B62D5BAE-643C-4D15-9B34-19551A2C8CFD}"/>
+              </a:ext>
+            </a:extLst>
+          </p:cNvPr>
+          <p:cNvSpPr>
+            <a:spLocks noGrp="1"/>
+          </p:cNvSpPr>
+          <p:nvPr>
+            <p:ph type="subTitle" idx="1"/>
+          </p:nvPr>
+        </p:nvSpPr>
+        <p:spPr>
+          <a:xfrm>
+            <a:off x="1371600" y="2449585"/>
+            <a:ext cx="9448800" cy="2650922"/>
+          </a:xfrm>
+        </p:spPr>
+        <p:txBody>
+          <a:bodyPr>
+            <a:normAutofit/>
+          </a:bodyPr>
+          <a:lstStyle/>
+          <a:p>
+            <a:pPr marL="342900" indent="-342900">
+              <a:buFont typeface="Arial" panose="020B0604020202020204" pitchFamily="34" charset="0"/>
+              <a:buChar char="•"/>
+            </a:pPr>
+            <a:r>
+              <a:rPr lang="en-US" i="1" dirty="0"/>
+              <a:t>Real-Time Fluid Dynamics for Games </a:t>
+            </a:r>
+            <a:r>
+              <a:rPr lang="en-US" dirty="0"/>
+              <a:t>- Jos Stam</a:t>
+            </a:r>
+          </a:p>
+          <a:p>
+            <a:pPr marL="342900" indent="-342900">
+              <a:buFont typeface="Arial" panose="020B0604020202020204" pitchFamily="34" charset="0"/>
+              <a:buChar char="•"/>
+            </a:pPr>
+            <a:r>
+              <a:rPr lang="en-US" i="1" dirty="0"/>
+              <a:t>GPU Gems Chapter 38 </a:t>
+            </a:r>
+            <a:r>
+              <a:rPr lang="en-US" dirty="0"/>
+              <a:t>- Mark J. Harris</a:t>
+            </a:r>
+            <a:endParaRPr lang="nl-NL" dirty="0"/>
+          </a:p>
+        </p:txBody>
+      </p:sp>
+    </p:spTree>
+    <p:extLst>
+      <p:ext uri="{BB962C8B-B14F-4D97-AF65-F5344CB8AC3E}">
+        <p14:creationId xmlns:p14="http://schemas.microsoft.com/office/powerpoint/2010/main" val="3169546723"/>
       </p:ext>
     </p:extLst>
   </p:cSld>

--- a/Fluid simulation sandbox.pptx
+++ b/Fluid simulation sandbox.pptx
@@ -10,7 +10,8 @@
     <p:sldId id="262" r:id="rId4"/>
     <p:sldId id="261" r:id="rId5"/>
     <p:sldId id="263" r:id="rId6"/>
-    <p:sldId id="260" r:id="rId7"/>
+    <p:sldId id="264" r:id="rId7"/>
+    <p:sldId id="260" r:id="rId8"/>
   </p:sldIdLst>
   <p:sldSz cx="12192000" cy="6858000"/>
   <p:notesSz cx="6858000" cy="9144000"/>
@@ -6189,12 +6190,343 @@
             </a:r>
             <a:r>
               <a:rPr lang="nl-NL" i="1" dirty="0" err="1"/>
+              <a:t>fluid</a:t>
+            </a:r>
+            <a:r>
+              <a:rPr lang="nl-NL" dirty="0"/>
+              <a:t> </a:t>
+            </a:r>
+            <a:r>
+              <a:rPr lang="nl-NL" i="1" dirty="0" err="1"/>
               <a:t>temperature</a:t>
             </a:r>
+            <a:r>
+              <a:rPr lang="nl-NL" dirty="0"/>
+              <a:t> </a:t>
+            </a:r>
+            <a:r>
+              <a:rPr lang="nl-NL" dirty="0" err="1"/>
+              <a:t>and</a:t>
+            </a:r>
+            <a:r>
+              <a:rPr lang="nl-NL" dirty="0"/>
+              <a:t> </a:t>
+            </a:r>
+            <a:r>
+              <a:rPr lang="nl-NL" i="1" dirty="0"/>
+              <a:t>room </a:t>
+            </a:r>
+            <a:r>
+              <a:rPr lang="nl-NL" i="1" dirty="0" err="1"/>
+              <a:t>temperature</a:t>
+            </a:r>
             <a:endParaRPr lang="nl-NL" i="1" dirty="0"/>
           </a:p>
-        </p:txBody>
-      </p:sp>
+          <a:p>
+            <a:pPr marL="342900" indent="-342900">
+              <a:buFont typeface="Arial" panose="020B0604020202020204" pitchFamily="34" charset="0"/>
+              <a:buChar char="•"/>
+            </a:pPr>
+            <a:endParaRPr lang="nl-NL" i="1" dirty="0"/>
+          </a:p>
+          <a:p>
+            <a:pPr marL="342900" indent="-342900">
+              <a:buFont typeface="Arial" panose="020B0604020202020204" pitchFamily="34" charset="0"/>
+              <a:buChar char="•"/>
+            </a:pPr>
+            <a:endParaRPr lang="nl-NL" i="1" dirty="0"/>
+          </a:p>
+          <a:p>
+            <a:pPr marL="342900" indent="-342900">
+              <a:buFont typeface="Arial" panose="020B0604020202020204" pitchFamily="34" charset="0"/>
+              <a:buChar char="•"/>
+            </a:pPr>
+            <a:r>
+              <a:rPr lang="nl-NL" i="1" dirty="0"/>
+              <a:t>Kappa </a:t>
+            </a:r>
+            <a:r>
+              <a:rPr lang="nl-NL" dirty="0" err="1"/>
+              <a:t>and</a:t>
+            </a:r>
+            <a:r>
+              <a:rPr lang="nl-NL" i="1" dirty="0"/>
+              <a:t> Sigma </a:t>
+            </a:r>
+            <a:r>
+              <a:rPr lang="nl-NL" dirty="0"/>
+              <a:t>user </a:t>
+            </a:r>
+            <a:r>
+              <a:rPr lang="nl-NL" dirty="0" err="1"/>
+              <a:t>setabble</a:t>
+            </a:r>
+            <a:r>
+              <a:rPr lang="nl-NL" dirty="0"/>
+              <a:t> parameters</a:t>
+            </a:r>
+          </a:p>
+        </p:txBody>
+      </p:sp>
+      <mc:AlternateContent xmlns:mc="http://schemas.openxmlformats.org/markup-compatibility/2006">
+        <mc:Choice xmlns:a14="http://schemas.microsoft.com/office/drawing/2010/main" Requires="a14">
+          <p:sp>
+            <p:nvSpPr>
+              <p:cNvPr id="4" name="Tekstvak 3">
+                <a:extLst>
+                  <a:ext uri="{FF2B5EF4-FFF2-40B4-BE49-F238E27FC236}">
+                    <a16:creationId xmlns:a16="http://schemas.microsoft.com/office/drawing/2014/main" id="{D0732277-40A9-4B24-A695-4DAB7D51ED9A}"/>
+                  </a:ext>
+                </a:extLst>
+              </p:cNvPr>
+              <p:cNvSpPr txBox="1"/>
+              <p:nvPr/>
+            </p:nvSpPr>
+            <p:spPr>
+              <a:xfrm>
+                <a:off x="1786855" y="3274482"/>
+                <a:ext cx="2938497" cy="715902"/>
+              </a:xfrm>
+              <a:prstGeom prst="rect">
+                <a:avLst/>
+              </a:prstGeom>
+              <a:noFill/>
+            </p:spPr>
+            <p:txBody>
+              <a:bodyPr wrap="none" lIns="0" tIns="0" rIns="0" bIns="0" rtlCol="0">
+                <a:spAutoFit/>
+              </a:bodyPr>
+              <a:lstStyle/>
+              <a:p>
+                <a14:m>
+                  <m:oMathPara xmlns:m="http://schemas.openxmlformats.org/officeDocument/2006/math">
+                    <m:oMathParaPr>
+                      <m:jc m:val="centerGroup"/>
+                    </m:oMathParaPr>
+                    <m:oMath xmlns:m="http://schemas.openxmlformats.org/officeDocument/2006/math">
+                      <m:sSub>
+                        <m:sSubPr>
+                          <m:ctrlPr>
+                            <a:rPr lang="nl-NL" i="1" smtClean="0">
+                              <a:latin typeface="Cambria Math" panose="02040503050406030204" pitchFamily="18" charset="0"/>
+                            </a:rPr>
+                          </m:ctrlPr>
+                        </m:sSubPr>
+                        <m:e>
+                          <m:r>
+                            <a:rPr lang="nl-NL" b="0" i="1" smtClean="0">
+                              <a:latin typeface="Cambria Math" panose="02040503050406030204" pitchFamily="18" charset="0"/>
+                            </a:rPr>
+                            <m:t>𝑓</m:t>
+                          </m:r>
+                        </m:e>
+                        <m:sub>
+                          <m:r>
+                            <a:rPr lang="nl-NL" b="0" i="1" smtClean="0">
+                              <a:latin typeface="Cambria Math" panose="02040503050406030204" pitchFamily="18" charset="0"/>
+                            </a:rPr>
+                            <m:t>𝑒𝑥𝑡</m:t>
+                          </m:r>
+                        </m:sub>
+                      </m:sSub>
+                      <m:r>
+                        <a:rPr lang="nl-NL" i="0">
+                          <a:latin typeface="Cambria Math" panose="02040503050406030204" pitchFamily="18" charset="0"/>
+                        </a:rPr>
+                        <m:t>=</m:t>
+                      </m:r>
+                      <m:d>
+                        <m:dPr>
+                          <m:ctrlPr>
+                            <a:rPr lang="nl-NL" i="1">
+                              <a:latin typeface="Cambria Math" panose="02040503050406030204" pitchFamily="18" charset="0"/>
+                            </a:rPr>
+                          </m:ctrlPr>
+                        </m:dPr>
+                        <m:e>
+                          <m:r>
+                            <a:rPr lang="nl-NL" i="0">
+                              <a:latin typeface="Cambria Math" panose="02040503050406030204" pitchFamily="18" charset="0"/>
+                            </a:rPr>
+                            <m:t>−</m:t>
+                          </m:r>
+                          <m:r>
+                            <a:rPr lang="nl-NL" i="1">
+                              <a:latin typeface="Cambria Math" panose="02040503050406030204" pitchFamily="18" charset="0"/>
+                            </a:rPr>
+                            <m:t>𝑘𝑑</m:t>
+                          </m:r>
+                          <m:r>
+                            <a:rPr lang="nl-NL" i="0">
+                              <a:latin typeface="Cambria Math" panose="02040503050406030204" pitchFamily="18" charset="0"/>
+                            </a:rPr>
+                            <m:t>+</m:t>
+                          </m:r>
+                          <m:r>
+                            <a:rPr lang="nl-NL" i="1">
+                              <a:latin typeface="Cambria Math" panose="02040503050406030204" pitchFamily="18" charset="0"/>
+                            </a:rPr>
+                            <m:t>𝜎</m:t>
+                          </m:r>
+                          <m:d>
+                            <m:dPr>
+                              <m:ctrlPr>
+                                <a:rPr lang="nl-NL" i="1">
+                                  <a:latin typeface="Cambria Math" panose="02040503050406030204" pitchFamily="18" charset="0"/>
+                                </a:rPr>
+                              </m:ctrlPr>
+                            </m:dPr>
+                            <m:e>
+                              <m:f>
+                                <m:fPr>
+                                  <m:ctrlPr>
+                                    <a:rPr lang="nl-NL" i="1">
+                                      <a:latin typeface="Cambria Math" panose="02040503050406030204" pitchFamily="18" charset="0"/>
+                                    </a:rPr>
+                                  </m:ctrlPr>
+                                </m:fPr>
+                                <m:num>
+                                  <m:r>
+                                    <a:rPr lang="nl-NL" i="0">
+                                      <a:latin typeface="Cambria Math" panose="02040503050406030204" pitchFamily="18" charset="0"/>
+                                    </a:rPr>
+                                    <m:t>1</m:t>
+                                  </m:r>
+                                </m:num>
+                                <m:den>
+                                  <m:sSub>
+                                    <m:sSubPr>
+                                      <m:ctrlPr>
+                                        <a:rPr lang="nl-NL" i="1">
+                                          <a:latin typeface="Cambria Math" panose="02040503050406030204" pitchFamily="18" charset="0"/>
+                                        </a:rPr>
+                                      </m:ctrlPr>
+                                    </m:sSubPr>
+                                    <m:e>
+                                      <m:r>
+                                        <a:rPr lang="nl-NL" i="1">
+                                          <a:latin typeface="Cambria Math" panose="02040503050406030204" pitchFamily="18" charset="0"/>
+                                        </a:rPr>
+                                        <m:t>𝑇</m:t>
+                                      </m:r>
+                                    </m:e>
+                                    <m:sub>
+                                      <m:r>
+                                        <a:rPr lang="nl-NL" i="0">
+                                          <a:latin typeface="Cambria Math" panose="02040503050406030204" pitchFamily="18" charset="0"/>
+                                        </a:rPr>
+                                        <m:t>0</m:t>
+                                      </m:r>
+                                    </m:sub>
+                                  </m:sSub>
+                                </m:den>
+                              </m:f>
+                              <m:r>
+                                <a:rPr lang="nl-NL" i="0">
+                                  <a:latin typeface="Cambria Math" panose="02040503050406030204" pitchFamily="18" charset="0"/>
+                                </a:rPr>
+                                <m:t>−</m:t>
+                              </m:r>
+                              <m:f>
+                                <m:fPr>
+                                  <m:ctrlPr>
+                                    <a:rPr lang="nl-NL" i="1">
+                                      <a:latin typeface="Cambria Math" panose="02040503050406030204" pitchFamily="18" charset="0"/>
+                                    </a:rPr>
+                                  </m:ctrlPr>
+                                </m:fPr>
+                                <m:num>
+                                  <m:r>
+                                    <a:rPr lang="nl-NL" i="0">
+                                      <a:latin typeface="Cambria Math" panose="02040503050406030204" pitchFamily="18" charset="0"/>
+                                    </a:rPr>
+                                    <m:t>1</m:t>
+                                  </m:r>
+                                </m:num>
+                                <m:den>
+                                  <m:r>
+                                    <a:rPr lang="nl-NL" i="1">
+                                      <a:latin typeface="Cambria Math" panose="02040503050406030204" pitchFamily="18" charset="0"/>
+                                    </a:rPr>
+                                    <m:t>𝑇</m:t>
+                                  </m:r>
+                                </m:den>
+                              </m:f>
+                            </m:e>
+                          </m:d>
+                        </m:e>
+                      </m:d>
+                      <m:acc>
+                        <m:accPr>
+                          <m:chr m:val="̂"/>
+                          <m:ctrlPr>
+                            <a:rPr lang="nl-NL" i="1">
+                              <a:latin typeface="Cambria Math" panose="02040503050406030204" pitchFamily="18" charset="0"/>
+                            </a:rPr>
+                          </m:ctrlPr>
+                        </m:accPr>
+                        <m:e>
+                          <m:r>
+                            <a:rPr lang="nl-NL" i="1">
+                              <a:latin typeface="Cambria Math" panose="02040503050406030204" pitchFamily="18" charset="0"/>
+                            </a:rPr>
+                            <m:t>𝑗</m:t>
+                          </m:r>
+                        </m:e>
+                      </m:acc>
+                    </m:oMath>
+                  </m:oMathPara>
+                </a14:m>
+                <a:endParaRPr lang="nl-NL" dirty="0"/>
+              </a:p>
+            </p:txBody>
+          </p:sp>
+        </mc:Choice>
+        <mc:Fallback>
+          <p:sp>
+            <p:nvSpPr>
+              <p:cNvPr id="4" name="Tekstvak 3">
+                <a:extLst>
+                  <a:ext uri="{FF2B5EF4-FFF2-40B4-BE49-F238E27FC236}">
+                    <a16:creationId xmlns:a16="http://schemas.microsoft.com/office/drawing/2014/main" id="{D0732277-40A9-4B24-A695-4DAB7D51ED9A}"/>
+                  </a:ext>
+                </a:extLst>
+              </p:cNvPr>
+              <p:cNvSpPr txBox="1">
+                <a:spLocks noRot="1" noChangeAspect="1" noMove="1" noResize="1" noEditPoints="1" noAdjustHandles="1" noChangeArrowheads="1" noChangeShapeType="1" noTextEdit="1"/>
+              </p:cNvSpPr>
+              <p:nvPr/>
+            </p:nvSpPr>
+            <p:spPr>
+              <a:xfrm>
+                <a:off x="1786855" y="3274482"/>
+                <a:ext cx="2938497" cy="715902"/>
+              </a:xfrm>
+              <a:prstGeom prst="rect">
+                <a:avLst/>
+              </a:prstGeom>
+              <a:blipFill>
+                <a:blip r:embed="rId2"/>
+                <a:stretch>
+                  <a:fillRect/>
+                </a:stretch>
+              </a:blipFill>
+            </p:spPr>
+            <p:txBody>
+              <a:bodyPr/>
+              <a:lstStyle/>
+              <a:p>
+                <a:r>
+                  <a:rPr lang="nl-NL">
+                    <a:noFill/>
+                  </a:rPr>
+                  <a:t> </a:t>
+                </a:r>
+              </a:p>
+            </p:txBody>
+          </p:sp>
+        </mc:Fallback>
+      </mc:AlternateContent>
     </p:spTree>
     <p:extLst>
       <p:ext uri="{BB962C8B-B14F-4D97-AF65-F5344CB8AC3E}">
@@ -7083,10 +7415,9 @@
           <a:lstStyle/>
           <a:p>
             <a:r>
-              <a:rPr lang="nl-NL" dirty="0" err="1"/>
-              <a:t>References</a:t>
-            </a:r>
-            <a:endParaRPr lang="nl-NL" dirty="0"/>
+              <a:rPr lang="nl-NL" dirty="0"/>
+              <a:t>Demo time</a:t>
+            </a:r>
           </a:p>
         </p:txBody>
       </p:sp>
@@ -7118,6 +7449,102 @@
           </a:bodyPr>
           <a:lstStyle/>
           <a:p>
+            <a:endParaRPr lang="nl-NL" dirty="0"/>
+          </a:p>
+        </p:txBody>
+      </p:sp>
+    </p:spTree>
+    <p:extLst>
+      <p:ext uri="{BB962C8B-B14F-4D97-AF65-F5344CB8AC3E}">
+        <p14:creationId xmlns:p14="http://schemas.microsoft.com/office/powerpoint/2010/main" val="32913693"/>
+      </p:ext>
+    </p:extLst>
+  </p:cSld>
+  <p:clrMapOvr>
+    <a:masterClrMapping/>
+  </p:clrMapOvr>
+</p:sld>
+</file>
+
+<file path=ppt/slides/slide7.xml><?xml version="1.0" encoding="utf-8"?>
+<p:sld xmlns:a="http://schemas.openxmlformats.org/drawingml/2006/main" xmlns:r="http://schemas.openxmlformats.org/officeDocument/2006/relationships" xmlns:p="http://schemas.openxmlformats.org/presentationml/2006/main">
+  <p:cSld>
+    <p:spTree>
+      <p:nvGrpSpPr>
+        <p:cNvPr id="1" name=""/>
+        <p:cNvGrpSpPr/>
+        <p:nvPr/>
+      </p:nvGrpSpPr>
+      <p:grpSpPr>
+        <a:xfrm>
+          <a:off x="0" y="0"/>
+          <a:ext cx="0" cy="0"/>
+          <a:chOff x="0" y="0"/>
+          <a:chExt cx="0" cy="0"/>
+        </a:xfrm>
+      </p:grpSpPr>
+      <p:sp>
+        <p:nvSpPr>
+          <p:cNvPr id="2" name="Titel 1">
+            <a:extLst>
+              <a:ext uri="{FF2B5EF4-FFF2-40B4-BE49-F238E27FC236}">
+                <a16:creationId xmlns:a16="http://schemas.microsoft.com/office/drawing/2014/main" id="{5CC78F16-E632-4E17-82C3-F06BE5303CD4}"/>
+              </a:ext>
+            </a:extLst>
+          </p:cNvPr>
+          <p:cNvSpPr>
+            <a:spLocks noGrp="1"/>
+          </p:cNvSpPr>
+          <p:nvPr>
+            <p:ph type="ctrTitle"/>
+          </p:nvPr>
+        </p:nvSpPr>
+        <p:spPr>
+          <a:xfrm>
+            <a:off x="1371600" y="1283516"/>
+            <a:ext cx="9448800" cy="922789"/>
+          </a:xfrm>
+        </p:spPr>
+        <p:txBody>
+          <a:bodyPr anchor="t"/>
+          <a:lstStyle/>
+          <a:p>
+            <a:r>
+              <a:rPr lang="nl-NL" dirty="0" err="1"/>
+              <a:t>References</a:t>
+            </a:r>
+            <a:endParaRPr lang="nl-NL" dirty="0"/>
+          </a:p>
+        </p:txBody>
+      </p:sp>
+      <p:sp>
+        <p:nvSpPr>
+          <p:cNvPr id="3" name="Ondertitel 2">
+            <a:extLst>
+              <a:ext uri="{FF2B5EF4-FFF2-40B4-BE49-F238E27FC236}">
+                <a16:creationId xmlns:a16="http://schemas.microsoft.com/office/drawing/2014/main" id="{B62D5BAE-643C-4D15-9B34-19551A2C8CFD}"/>
+              </a:ext>
+            </a:extLst>
+          </p:cNvPr>
+          <p:cNvSpPr>
+            <a:spLocks noGrp="1"/>
+          </p:cNvSpPr>
+          <p:nvPr>
+            <p:ph type="subTitle" idx="1"/>
+          </p:nvPr>
+        </p:nvSpPr>
+        <p:spPr>
+          <a:xfrm>
+            <a:off x="1371600" y="2449585"/>
+            <a:ext cx="9448800" cy="2650922"/>
+          </a:xfrm>
+        </p:spPr>
+        <p:txBody>
+          <a:bodyPr>
+            <a:normAutofit/>
+          </a:bodyPr>
+          <a:lstStyle/>
+          <a:p>
             <a:pPr marL="342900" indent="-342900">
               <a:buFont typeface="Arial" panose="020B0604020202020204" pitchFamily="34" charset="0"/>
               <a:buChar char="•"/>
@@ -7144,7 +7571,28 @@
               <a:rPr lang="en-US" dirty="0"/>
               <a:t>- Mark J. Harris</a:t>
             </a:r>
-            <a:endParaRPr lang="nl-NL" dirty="0"/>
+          </a:p>
+          <a:p>
+            <a:pPr marL="342900" indent="-342900">
+              <a:buFont typeface="Arial" panose="020B0604020202020204" pitchFamily="34" charset="0"/>
+              <a:buChar char="•"/>
+            </a:pPr>
+            <a:r>
+              <a:rPr lang="en-US" i="1" dirty="0"/>
+              <a:t>GPU Gems 3 Chapter 30 </a:t>
+            </a:r>
+            <a:r>
+              <a:rPr lang="en-US" dirty="0"/>
+              <a:t>- </a:t>
+            </a:r>
+            <a:r>
+              <a:rPr lang="nl-NL" dirty="0" err="1"/>
+              <a:t>Keenan</a:t>
+            </a:r>
+            <a:r>
+              <a:rPr lang="nl-NL" dirty="0"/>
+              <a:t> Crane</a:t>
+            </a:r>
           </a:p>
         </p:txBody>
       </p:sp>

--- a/Fluid simulation sandbox.pptx
+++ b/Fluid simulation sandbox.pptx
@@ -6837,8 +6837,8 @@
         </p:nvSpPr>
         <p:spPr>
           <a:xfrm>
-            <a:off x="1371600" y="2457973"/>
-            <a:ext cx="9448800" cy="3833769"/>
+            <a:off x="1371600" y="2266284"/>
+            <a:ext cx="9448800" cy="4217146"/>
           </a:xfrm>
         </p:spPr>
         <p:txBody>
@@ -6846,6 +6846,25 @@
             <a:normAutofit/>
           </a:bodyPr>
           <a:lstStyle/>
+          <a:p>
+            <a:pPr marL="342900" indent="-342900">
+              <a:buFont typeface="Arial" panose="020B0604020202020204" pitchFamily="34" charset="0"/>
+              <a:buChar char="•"/>
+            </a:pPr>
+            <a:r>
+              <a:rPr lang="nl-NL" dirty="0" err="1"/>
+              <a:t>Coarse</a:t>
+            </a:r>
+            <a:r>
+              <a:rPr lang="nl-NL" dirty="0"/>
+              <a:t> </a:t>
+            </a:r>
+            <a:r>
+              <a:rPr lang="nl-NL" dirty="0" err="1"/>
+              <a:t>grid</a:t>
+            </a:r>
+            <a:endParaRPr lang="nl-NL" dirty="0"/>
+          </a:p>
           <a:p>
             <a:pPr marL="342900" indent="-342900">
               <a:buFont typeface="Arial" panose="020B0604020202020204" pitchFamily="34" charset="0"/>
@@ -7005,7 +7024,7 @@
               <a:buFont typeface="Arial" panose="020B0604020202020204" pitchFamily="34" charset="0"/>
               <a:buChar char="•"/>
             </a:pPr>
-            <a:endParaRPr lang="nl-NL" dirty="0"/>
+            <a:endParaRPr lang="nl-NL" sz="500" dirty="0"/>
           </a:p>
           <a:p>
             <a:pPr marL="342900" indent="-342900">
@@ -7030,7 +7049,11 @@
             </a:r>
             <a:r>
               <a:rPr lang="nl-NL" dirty="0"/>
-              <a:t> Forward Euler</a:t>
+              <a:t> </a:t>
+            </a:r>
+            <a:r>
+              <a:rPr lang="nl-NL" i="1" dirty="0"/>
+              <a:t>Forward Euler</a:t>
             </a:r>
           </a:p>
         </p:txBody>
@@ -7051,8 +7074,8 @@
             </p:nvSpPr>
             <p:spPr>
               <a:xfrm>
-                <a:off x="1837189" y="3716323"/>
-                <a:ext cx="1459630" cy="1352165"/>
+                <a:off x="1828800" y="3878432"/>
+                <a:ext cx="1459630" cy="1799732"/>
               </a:xfrm>
               <a:prstGeom prst="rect">
                 <a:avLst/>
@@ -7330,8 +7353,8 @@
             </p:nvSpPr>
             <p:spPr>
               <a:xfrm>
-                <a:off x="1837189" y="3716323"/>
-                <a:ext cx="1459630" cy="1352165"/>
+                <a:off x="1828800" y="3878432"/>
+                <a:ext cx="1459630" cy="1799732"/>
               </a:xfrm>
               <a:prstGeom prst="rect">
                 <a:avLst/>
@@ -7339,7 +7362,7 @@
               <a:blipFill>
                 <a:blip r:embed="rId2"/>
                 <a:stretch>
-                  <a:fillRect l="-7500" t="-9050" b="-7240"/>
+                  <a:fillRect l="-7531" t="-6441"/>
                 </a:stretch>
               </a:blipFill>
             </p:spPr>
@@ -7557,6 +7580,41 @@
               <a:rPr lang="en-US" dirty="0"/>
               <a:t>- Jos Stam</a:t>
             </a:r>
+          </a:p>
+          <a:p>
+            <a:pPr marL="342900" indent="-342900">
+              <a:buFont typeface="Arial" panose="020B0604020202020204" pitchFamily="34" charset="0"/>
+              <a:buChar char="•"/>
+            </a:pPr>
+            <a:r>
+              <a:rPr lang="nl-NL" i="1" dirty="0"/>
+              <a:t>Visual </a:t>
+            </a:r>
+            <a:r>
+              <a:rPr lang="nl-NL" i="1" dirty="0" err="1"/>
+              <a:t>Simulation</a:t>
+            </a:r>
+            <a:r>
+              <a:rPr lang="nl-NL" i="1" dirty="0"/>
+              <a:t> of </a:t>
+            </a:r>
+            <a:r>
+              <a:rPr lang="nl-NL" i="1" dirty="0" err="1"/>
+              <a:t>Smoke</a:t>
+            </a:r>
+            <a:r>
+              <a:rPr lang="nl-NL" i="1" dirty="0"/>
+              <a:t> </a:t>
+            </a:r>
+            <a:r>
+              <a:rPr lang="nl-NL" dirty="0"/>
+              <a:t>- Ronald </a:t>
+            </a:r>
+            <a:r>
+              <a:rPr lang="nl-NL" dirty="0" err="1"/>
+              <a:t>Fedkiw</a:t>
+            </a:r>
+            <a:endParaRPr lang="en-US" dirty="0"/>
           </a:p>
           <a:p>
             <a:pPr marL="342900" indent="-342900">

--- a/Fluid simulation sandbox.pptx
+++ b/Fluid simulation sandbox.pptx
@@ -110,6 +110,11 @@
       </a:defRPr>
     </a:lvl9pPr>
   </p:defaultTextStyle>
+  <p:extLst>
+    <p:ext uri="{EFAFB233-063F-42B5-8137-9DF3F51BA10A}">
+      <p15:sldGuideLst xmlns:p15="http://schemas.microsoft.com/office/powerpoint/2012/main"/>
+    </p:ext>
+  </p:extLst>
 </p:presentation>
 </file>
 
@@ -6037,6 +6042,33 @@
               <a:buFont typeface="Arial" panose="020B0604020202020204" pitchFamily="34" charset="0"/>
               <a:buChar char="•"/>
             </a:pPr>
+            <a:r>
+              <a:rPr lang="nl-NL" dirty="0" err="1"/>
+              <a:t>OpenMP</a:t>
+            </a:r>
+            <a:r>
+              <a:rPr lang="nl-NL" dirty="0"/>
+              <a:t> </a:t>
+            </a:r>
+            <a:r>
+              <a:rPr lang="nl-NL" dirty="0" err="1"/>
+              <a:t>for</a:t>
+            </a:r>
+            <a:r>
+              <a:rPr lang="nl-NL" dirty="0"/>
+              <a:t> </a:t>
+            </a:r>
+            <a:r>
+              <a:rPr lang="nl-NL" dirty="0" err="1"/>
+              <a:t>parallelism</a:t>
+            </a:r>
+            <a:endParaRPr lang="nl-NL" dirty="0"/>
+          </a:p>
+          <a:p>
+            <a:pPr marL="342900" indent="-342900">
+              <a:buFont typeface="Arial" panose="020B0604020202020204" pitchFamily="34" charset="0"/>
+              <a:buChar char="•"/>
+            </a:pPr>
             <a:endParaRPr lang="nl-NL" dirty="0"/>
           </a:p>
         </p:txBody>
@@ -6255,21 +6287,21 @@
             </a:r>
             <a:r>
               <a:rPr lang="nl-NL" dirty="0"/>
-              <a:t>user </a:t>
-            </a:r>
-            <a:r>
-              <a:rPr lang="nl-NL" dirty="0" err="1"/>
-              <a:t>setabble</a:t>
+              <a:t>are</a:t>
+            </a:r>
+            <a:r>
+              <a:rPr lang="nl-NL" i="1" dirty="0"/>
+              <a:t> </a:t>
             </a:r>
             <a:r>
               <a:rPr lang="nl-NL" dirty="0"/>
-              <a:t> parameters</a:t>
-            </a:r>
-          </a:p>
-        </p:txBody>
-      </p:sp>
-      <mc:AlternateContent xmlns:mc="http://schemas.openxmlformats.org/markup-compatibility/2006">
-        <mc:Choice xmlns:a14="http://schemas.microsoft.com/office/drawing/2010/main" Requires="a14">
+              <a:t>user parameters</a:t>
+            </a:r>
+          </a:p>
+        </p:txBody>
+      </p:sp>
+      <mc:AlternateContent xmlns:mc="http://schemas.openxmlformats.org/markup-compatibility/2006" xmlns:a14="http://schemas.microsoft.com/office/drawing/2010/main">
+        <mc:Choice Requires="a14">
           <p:sp>
             <p:nvSpPr>
               <p:cNvPr id="4" name="Tekstvak 3">
@@ -6298,6 +6330,7 @@
               </a:bodyPr>
               <a:lstStyle/>
               <a:p>
+                <a:pPr/>
                 <a14:m>
                   <m:oMathPara xmlns:m="http://schemas.openxmlformats.org/officeDocument/2006/math">
                     <m:oMathParaPr>
@@ -6482,7 +6515,7 @@
             </p:txBody>
           </p:sp>
         </mc:Choice>
-        <mc:Fallback>
+        <mc:Fallback xmlns="">
           <p:sp>
             <p:nvSpPr>
               <p:cNvPr id="4" name="Tekstvak 3">
@@ -7058,8 +7091,8 @@
           </a:p>
         </p:txBody>
       </p:sp>
-      <mc:AlternateContent xmlns:mc="http://schemas.openxmlformats.org/markup-compatibility/2006">
-        <mc:Choice xmlns:a14="http://schemas.microsoft.com/office/drawing/2010/main" Requires="a14">
+      <mc:AlternateContent xmlns:mc="http://schemas.openxmlformats.org/markup-compatibility/2006" xmlns:a14="http://schemas.microsoft.com/office/drawing/2010/main">
+        <mc:Choice Requires="a14">
           <p:sp>
             <p:nvSpPr>
               <p:cNvPr id="5" name="Tekstvak 4">
@@ -7336,7 +7369,7 @@
             </p:txBody>
           </p:sp>
         </mc:Choice>
-        <mc:Fallback>
+        <mc:Fallback xmlns="">
           <p:sp>
             <p:nvSpPr>
               <p:cNvPr id="5" name="Tekstvak 4">
